--- a/Intro-to-Machine-Learning.pptx
+++ b/Intro-to-Machine-Learning.pptx
@@ -123,6 +123,11 @@
       </a:defRPr>
     </a:lvl9pPr>
   </p:defaultTextStyle>
+  <p:extLst>
+    <p:ext uri="{EFAFB233-063F-42B5-8137-9DF3F51BA10A}">
+      <p15:sldGuideLst xmlns:p15="http://schemas.microsoft.com/office/powerpoint/2012/main"/>
+    </p:ext>
+  </p:extLst>
 </p:presentation>
 </file>
 
@@ -5508,9 +5513,12 @@
 <p:sldMaster xmlns:a="http://schemas.openxmlformats.org/drawingml/2006/main" xmlns:r="http://schemas.openxmlformats.org/officeDocument/2006/relationships" xmlns:p="http://schemas.openxmlformats.org/presentationml/2006/main">
   <p:cSld>
     <p:bg>
-      <p:bgRef idx="1001">
-        <a:schemeClr val="bg1"/>
-      </p:bgRef>
+      <p:bgPr>
+        <a:solidFill>
+          <a:srgbClr val="FFFFE5"/>
+        </a:solidFill>
+        <a:effectLst/>
+      </p:bgPr>
     </p:bg>
     <p:spTree>
       <p:nvGrpSpPr>
@@ -7560,15 +7568,27 @@
               <a:buChar char="•"/>
             </a:pPr>
             <a:r>
-              <a:rPr lang="en-US" sz="2800" b="1" dirty="0"/>
+              <a:rPr lang="en-US" sz="2800" b="1" dirty="0">
+                <a:solidFill>
+                  <a:schemeClr val="accent5"/>
+                </a:solidFill>
+              </a:rPr>
               <a:t>matplotlib/</a:t>
             </a:r>
             <a:r>
-              <a:rPr lang="en-US" sz="2800" b="1" dirty="0" err="1"/>
+              <a:rPr lang="en-US" sz="2800" b="1" dirty="0" err="1">
+                <a:solidFill>
+                  <a:schemeClr val="accent5"/>
+                </a:solidFill>
+              </a:rPr>
               <a:t>pyplot</a:t>
             </a:r>
             <a:r>
-              <a:rPr lang="en-US" sz="2800" b="1" dirty="0"/>
+              <a:rPr lang="en-US" sz="2800" b="1" dirty="0">
+                <a:solidFill>
+                  <a:schemeClr val="accent5"/>
+                </a:solidFill>
+              </a:rPr>
               <a:t>  </a:t>
             </a:r>
             <a:r>
@@ -7585,7 +7605,11 @@
               <a:buChar char="•"/>
             </a:pPr>
             <a:r>
-              <a:rPr lang="en-US" sz="2800" b="1" dirty="0"/>
+              <a:rPr lang="en-US" sz="2800" b="1" dirty="0">
+                <a:solidFill>
+                  <a:schemeClr val="accent1"/>
+                </a:solidFill>
+              </a:rPr>
               <a:t>seaborn</a:t>
             </a:r>
             <a:r>
@@ -7625,7 +7649,7 @@
             <a:r>
               <a:rPr lang="en-US" sz="2800" b="1" dirty="0">
                 <a:solidFill>
-                  <a:schemeClr val="accent1"/>
+                  <a:schemeClr val="accent5"/>
                 </a:solidFill>
               </a:rPr>
               <a:t>scikit-learn</a:t>
@@ -7679,7 +7703,7 @@
             <a:r>
               <a:rPr lang="en-US" sz="2800" b="1" dirty="0" err="1">
                 <a:solidFill>
-                  <a:schemeClr val="accent1"/>
+                  <a:schemeClr val="accent5"/>
                 </a:solidFill>
               </a:rPr>
               <a:t>Jupyter</a:t>
@@ -7687,7 +7711,7 @@
             <a:r>
               <a:rPr lang="en-US" sz="2800" b="1" dirty="0">
                 <a:solidFill>
-                  <a:schemeClr val="accent1"/>
+                  <a:schemeClr val="accent5"/>
                 </a:solidFill>
               </a:rPr>
               <a:t> notebooks </a:t>
@@ -8468,8 +8492,8 @@
             </a:p>
           </p:txBody>
         </p:sp>
-        <mc:AlternateContent xmlns:mc="http://schemas.openxmlformats.org/markup-compatibility/2006">
-          <mc:Choice xmlns:a14="http://schemas.microsoft.com/office/drawing/2010/main" Requires="a14">
+        <mc:AlternateContent xmlns:mc="http://schemas.openxmlformats.org/markup-compatibility/2006" xmlns:a14="http://schemas.microsoft.com/office/drawing/2010/main">
+          <mc:Choice Requires="a14">
             <p:sp>
               <p:nvSpPr>
                 <p:cNvPr id="18" name="Rectangle 17">
@@ -8515,7 +8539,7 @@
               </p:txBody>
             </p:sp>
           </mc:Choice>
-          <mc:Fallback>
+          <mc:Fallback xmlns="">
             <p:sp>
               <p:nvSpPr>
                 <p:cNvPr id="18" name="Rectangle 17">
@@ -8560,8 +8584,8 @@
             </p:sp>
           </mc:Fallback>
         </mc:AlternateContent>
-        <mc:AlternateContent xmlns:mc="http://schemas.openxmlformats.org/markup-compatibility/2006">
-          <mc:Choice xmlns:a14="http://schemas.microsoft.com/office/drawing/2010/main" Requires="a14">
+        <mc:AlternateContent xmlns:mc="http://schemas.openxmlformats.org/markup-compatibility/2006" xmlns:a14="http://schemas.microsoft.com/office/drawing/2010/main">
+          <mc:Choice Requires="a14">
             <p:sp>
               <p:nvSpPr>
                 <p:cNvPr id="19" name="Rectangle 18">
@@ -8607,7 +8631,7 @@
               </p:txBody>
             </p:sp>
           </mc:Choice>
-          <mc:Fallback>
+          <mc:Fallback xmlns="">
             <p:sp>
               <p:nvSpPr>
                 <p:cNvPr id="19" name="Rectangle 18">
@@ -9928,8 +9952,8 @@
             </a:p>
           </p:txBody>
         </p:sp>
-        <mc:AlternateContent xmlns:mc="http://schemas.openxmlformats.org/markup-compatibility/2006">
-          <mc:Choice xmlns:a14="http://schemas.microsoft.com/office/drawing/2010/main" Requires="a14">
+        <mc:AlternateContent xmlns:mc="http://schemas.openxmlformats.org/markup-compatibility/2006" xmlns:a14="http://schemas.microsoft.com/office/drawing/2010/main">
+          <mc:Choice Requires="a14">
             <p:sp>
               <p:nvSpPr>
                 <p:cNvPr id="61" name="Rectangle 60">
@@ -9978,7 +10002,7 @@
               </p:txBody>
             </p:sp>
           </mc:Choice>
-          <mc:Fallback>
+          <mc:Fallback xmlns="">
             <p:sp>
               <p:nvSpPr>
                 <p:cNvPr id="61" name="Rectangle 60">
